--- a/CT-Apresentacao/Apresentacao.pptx
+++ b/CT-Apresentacao/Apresentacao.pptx
@@ -259,7 +259,7 @@
               <a:pPr>
                 <a:defRPr/>
               </a:pPr>
-              <a:t>01/06/2015</a:t>
+              <a:t>03/06/2015</a:t>
             </a:fld>
             <a:endParaRPr lang="pt-BR" dirty="0"/>
           </a:p>
@@ -2443,7 +2443,7 @@
               <a:pPr>
                 <a:defRPr/>
               </a:pPr>
-              <a:t>01/06/2015</a:t>
+              <a:t>03/06/2015</a:t>
             </a:fld>
             <a:endParaRPr lang="pt-BR" dirty="0"/>
           </a:p>
@@ -2638,7 +2638,7 @@
               <a:pPr>
                 <a:defRPr/>
               </a:pPr>
-              <a:t>01/06/2015</a:t>
+              <a:t>03/06/2015</a:t>
             </a:fld>
             <a:endParaRPr lang="pt-BR" dirty="0"/>
           </a:p>
@@ -2919,7 +2919,7 @@
               <a:pPr>
                 <a:defRPr/>
               </a:pPr>
-              <a:t>01/06/2015</a:t>
+              <a:t>03/06/2015</a:t>
             </a:fld>
             <a:endParaRPr lang="pt-BR" dirty="0"/>
           </a:p>
@@ -3120,7 +3120,7 @@
               <a:pPr>
                 <a:defRPr/>
               </a:pPr>
-              <a:t>01/06/2015</a:t>
+              <a:t>03/06/2015</a:t>
             </a:fld>
             <a:endParaRPr lang="pt-BR" dirty="0"/>
           </a:p>
@@ -3524,7 +3524,7 @@
               <a:pPr>
                 <a:defRPr/>
               </a:pPr>
-              <a:t>01/06/2015</a:t>
+              <a:t>03/06/2015</a:t>
             </a:fld>
             <a:endParaRPr lang="pt-BR" dirty="0"/>
           </a:p>
@@ -3786,7 +3786,7 @@
               <a:pPr>
                 <a:defRPr/>
               </a:pPr>
-              <a:t>01/06/2015</a:t>
+              <a:t>03/06/2015</a:t>
             </a:fld>
             <a:endParaRPr lang="pt-BR" dirty="0"/>
           </a:p>
@@ -4190,7 +4190,7 @@
               <a:pPr>
                 <a:defRPr/>
               </a:pPr>
-              <a:t>01/06/2015</a:t>
+              <a:t>03/06/2015</a:t>
             </a:fld>
             <a:endParaRPr lang="pt-BR" dirty="0"/>
           </a:p>
@@ -4333,7 +4333,7 @@
               <a:pPr>
                 <a:defRPr/>
               </a:pPr>
-              <a:t>01/06/2015</a:t>
+              <a:t>03/06/2015</a:t>
             </a:fld>
             <a:endParaRPr lang="pt-BR" dirty="0"/>
           </a:p>
@@ -4529,7 +4529,7 @@
               <a:pPr>
                 <a:defRPr/>
               </a:pPr>
-              <a:t>01/06/2015</a:t>
+              <a:t>03/06/2015</a:t>
             </a:fld>
             <a:endParaRPr lang="pt-BR" dirty="0"/>
           </a:p>
@@ -4898,7 +4898,7 @@
               <a:pPr>
                 <a:defRPr/>
               </a:pPr>
-              <a:t>01/06/2015</a:t>
+              <a:t>03/06/2015</a:t>
             </a:fld>
             <a:endParaRPr lang="pt-BR" dirty="0"/>
           </a:p>
@@ -5295,7 +5295,7 @@
               <a:pPr>
                 <a:defRPr/>
               </a:pPr>
-              <a:t>01/06/2015</a:t>
+              <a:t>03/06/2015</a:t>
             </a:fld>
             <a:endParaRPr lang="pt-BR" dirty="0"/>
           </a:p>
@@ -5619,7 +5619,7 @@
               <a:pPr>
                 <a:defRPr/>
               </a:pPr>
-              <a:t>01/06/2015</a:t>
+              <a:t>03/06/2015</a:t>
             </a:fld>
             <a:endParaRPr lang="pt-BR" dirty="0"/>
           </a:p>
@@ -6317,7 +6317,6 @@
               <a:rPr lang="pt-BR" b="1" dirty="0"/>
               <a:t>Teste de Configuração de Software</a:t>
             </a:r>
-            <a:endParaRPr lang="pt-BR" b="1" dirty="0"/>
           </a:p>
         </p:txBody>
       </p:sp>
@@ -6342,15 +6341,11 @@
           <a:lstStyle/>
           <a:p>
             <a:r>
-              <a:rPr lang="pt-BR" dirty="0"/>
-              <a:t>Profa. </a:t>
-            </a:r>
-            <a:r>
-              <a:rPr lang="pt-BR" dirty="0" err="1"/>
-              <a:t>Msc</a:t>
-            </a:r>
-            <a:r>
-              <a:rPr lang="pt-BR" dirty="0"/>
+              <a:rPr lang="pt-BR" smtClean="0"/>
+              <a:t>Profa.Msc</a:t>
+            </a:r>
+            <a:r>
+              <a:rPr lang="pt-BR" dirty="0" smtClean="0"/>
               <a:t> </a:t>
             </a:r>
             <a:r>
@@ -6414,7 +6409,7 @@
                   <a:spcPct val="0"/>
                 </a:spcAft>
               </a:pPr>
-              <a:t>01/06/2015</a:t>
+              <a:t>03/06/2015</a:t>
             </a:fld>
             <a:endParaRPr lang="pt-BR"/>
           </a:p>
@@ -7002,7 +6997,7 @@
                   <a:spcPct val="0"/>
                 </a:spcAft>
               </a:pPr>
-              <a:t>01/06/2015</a:t>
+              <a:t>03/06/2015</a:t>
             </a:fld>
             <a:endParaRPr lang="pt-BR"/>
           </a:p>
@@ -7641,7 +7636,7 @@
                   <a:spcPct val="0"/>
                 </a:spcAft>
               </a:pPr>
-              <a:t>01/06/2015</a:t>
+              <a:t>03/06/2015</a:t>
             </a:fld>
             <a:endParaRPr lang="pt-BR"/>
           </a:p>
@@ -8086,13 +8081,7 @@
               <a:rPr lang="pt-BR" dirty="0" smtClean="0">
                 <a:latin typeface="+mn-lt"/>
               </a:rPr>
-              <a:t>Pressionar botão cancelar, aparece tela de Idade</a:t>
-            </a:r>
-            <a:r>
-              <a:rPr lang="pt-BR" dirty="0" smtClean="0">
-                <a:latin typeface="+mn-lt"/>
-              </a:rPr>
-              <a:t>.</a:t>
+              <a:t>Pressionar botão cancelar, aparece tela de Idade.</a:t>
             </a:r>
             <a:endParaRPr lang="pt-BR" dirty="0">
               <a:latin typeface="+mn-lt"/>
@@ -8220,19 +8209,7 @@
               <a:rPr lang="pt-BR" dirty="0" smtClean="0">
                 <a:latin typeface="+mn-lt"/>
               </a:rPr>
-              <a:t>Pode ser preenchido com </a:t>
-            </a:r>
-            <a:r>
-              <a:rPr lang="pt-BR" dirty="0" smtClean="0">
-                <a:latin typeface="+mn-lt"/>
-              </a:rPr>
-              <a:t>com</a:t>
-            </a:r>
-            <a:r>
-              <a:rPr lang="pt-BR" dirty="0" smtClean="0">
-                <a:latin typeface="+mn-lt"/>
-              </a:rPr>
-              <a:t> números .</a:t>
+              <a:t>Pode ser preenchido com com números .</a:t>
             </a:r>
             <a:endParaRPr lang="pt-BR" dirty="0">
               <a:latin typeface="+mn-lt"/>
@@ -8556,7 +8533,7 @@
                   <a:spcPct val="0"/>
                 </a:spcAft>
               </a:pPr>
-              <a:t>01/06/2015</a:t>
+              <a:t>03/06/2015</a:t>
             </a:fld>
             <a:endParaRPr lang="pt-BR"/>
           </a:p>
@@ -9311,7 +9288,7 @@
               <a:pPr>
                 <a:defRPr/>
               </a:pPr>
-              <a:t>01/06/2015</a:t>
+              <a:t>03/06/2015</a:t>
             </a:fld>
             <a:endParaRPr lang="pt-BR" dirty="0"/>
           </a:p>
@@ -9646,7 +9623,6 @@
               <a:rPr lang="pt-BR" sz="2800" b="1" dirty="0"/>
               <a:t>Teste de Configuração de Software</a:t>
             </a:r>
-            <a:endParaRPr lang="pt-BR" sz="2800" b="1" dirty="0"/>
           </a:p>
         </p:txBody>
       </p:sp>
@@ -9694,7 +9670,7 @@
                   <a:spcPct val="0"/>
                 </a:spcAft>
               </a:pPr>
-              <a:t>01/06/2015</a:t>
+              <a:t>03/06/2015</a:t>
             </a:fld>
             <a:endParaRPr lang="pt-BR"/>
           </a:p>
@@ -10043,7 +10019,7 @@
                   <a:spcPct val="0"/>
                 </a:spcAft>
               </a:pPr>
-              <a:t>01/06/2015</a:t>
+              <a:t>03/06/2015</a:t>
             </a:fld>
             <a:endParaRPr lang="pt-BR"/>
           </a:p>
@@ -10586,7 +10562,7 @@
                   <a:spcPct val="0"/>
                 </a:spcAft>
               </a:pPr>
-              <a:t>01/06/2015</a:t>
+              <a:t>03/06/2015</a:t>
             </a:fld>
             <a:endParaRPr lang="pt-BR"/>
           </a:p>
@@ -11202,7 +11178,7 @@
                   <a:spcPct val="0"/>
                 </a:spcAft>
               </a:pPr>
-              <a:t>01/06/2015</a:t>
+              <a:t>03/06/2015</a:t>
             </a:fld>
             <a:endParaRPr lang="pt-BR"/>
           </a:p>
@@ -11784,7 +11760,7 @@
                   <a:spcPct val="0"/>
                 </a:spcAft>
               </a:pPr>
-              <a:t>01/06/2015</a:t>
+              <a:t>03/06/2015</a:t>
             </a:fld>
             <a:endParaRPr lang="pt-BR"/>
           </a:p>
@@ -13239,7 +13215,7 @@
                   <a:spcPct val="0"/>
                 </a:spcAft>
               </a:pPr>
-              <a:t>01/06/2015</a:t>
+              <a:t>03/06/2015</a:t>
             </a:fld>
             <a:endParaRPr lang="pt-BR"/>
           </a:p>
@@ -13893,7 +13869,7 @@
                   <a:spcPct val="0"/>
                 </a:spcAft>
               </a:pPr>
-              <a:t>01/06/2015</a:t>
+              <a:t>03/06/2015</a:t>
             </a:fld>
             <a:endParaRPr lang="pt-BR"/>
           </a:p>
@@ -14523,7 +14499,7 @@
                   <a:spcPct val="0"/>
                 </a:spcAft>
               </a:pPr>
-              <a:t>01/06/2015</a:t>
+              <a:t>03/06/2015</a:t>
             </a:fld>
             <a:endParaRPr lang="pt-BR"/>
           </a:p>
@@ -15296,7 +15272,7 @@
   <a:extraClrSchemeLst/>
   <a:extLst>
     <a:ext uri="{05A4C25C-085E-4340-85A3-A5531E510DB2}">
-      <thm15:themeFamily xmlns:thm15="http://schemas.microsoft.com/office/thememl/2012/main" xmlns="" name="Retrospect" id="{5F128B03-DCCA-4EEB-AB3B-CF2899314A46}" vid="{D26EA377-59BD-4C9C-9D94-EE8416EE4C79}"/>
+      <thm15:themeFamily xmlns="" xmlns:thm15="http://schemas.microsoft.com/office/thememl/2012/main" name="Retrospect" id="{5F128B03-DCCA-4EEB-AB3B-CF2899314A46}" vid="{D26EA377-59BD-4C9C-9D94-EE8416EE4C79}"/>
     </a:ext>
   </a:extLst>
 </a:theme>
@@ -15557,7 +15533,7 @@
   <a:extraClrSchemeLst/>
   <a:extLst>
     <a:ext uri="{05A4C25C-085E-4340-85A3-A5531E510DB2}">
-      <thm15:themeFamily xmlns:thm15="http://schemas.microsoft.com/office/thememl/2012/main" xmlns="" name="Office Theme" id="{62F939B6-93AF-4DB8-9C6B-D6C7DFDC589F}" vid="{4A3C46E8-61CC-4603-A589-7422A47A8E4A}"/>
+      <thm15:themeFamily xmlns="" xmlns:thm15="http://schemas.microsoft.com/office/thememl/2012/main" name="Office Theme" id="{62F939B6-93AF-4DB8-9C6B-D6C7DFDC589F}" vid="{4A3C46E8-61CC-4603-A589-7422A47A8E4A}"/>
     </a:ext>
   </a:extLst>
 </a:theme>

--- a/CT-Apresentacao/Apresentacao.pptx
+++ b/CT-Apresentacao/Apresentacao.pptx
@@ -6315,7 +6315,15 @@
             </a:pPr>
             <a:r>
               <a:rPr lang="pt-BR" b="1" dirty="0"/>
-              <a:t>Teste de Configuração de Software</a:t>
+              <a:t>Teste </a:t>
+            </a:r>
+            <a:r>
+              <a:rPr lang="pt-BR" b="1" dirty="0" smtClean="0"/>
+              <a:t>e </a:t>
+            </a:r>
+            <a:r>
+              <a:rPr lang="pt-BR" b="1" dirty="0"/>
+              <a:t>Configuração de Software</a:t>
             </a:r>
           </a:p>
         </p:txBody>
@@ -6547,7 +6555,7 @@
         </p:nvSpPr>
         <p:spPr>
           <a:xfrm>
-            <a:off x="1208088" y="3341688"/>
+            <a:off x="1208088" y="3224458"/>
             <a:ext cx="10058400" cy="1171575"/>
           </a:xfrm>
           <a:prstGeom prst="rect">
@@ -6817,11 +6825,18 @@
               <a:t>Adriano </a:t>
             </a:r>
             <a:r>
+              <a:rPr lang="pt-BR" b="1" cap="none" dirty="0" err="1">
+                <a:latin typeface="Arial" panose="020B0604020202020204" pitchFamily="34" charset="0"/>
+                <a:cs typeface="Arial" panose="020B0604020202020204" pitchFamily="34" charset="0"/>
+              </a:rPr>
+              <a:t>V</a:t>
+            </a:r>
+            <a:r>
               <a:rPr lang="pt-BR" b="1" cap="none" dirty="0" err="1" smtClean="0">
                 <a:latin typeface="Arial" panose="020B0604020202020204" pitchFamily="34" charset="0"/>
                 <a:cs typeface="Arial" panose="020B0604020202020204" pitchFamily="34" charset="0"/>
               </a:rPr>
-              <a:t>vasconcélos</a:t>
+              <a:t>asconcélos</a:t>
             </a:r>
             <a:endParaRPr lang="pt-BR" b="1" cap="none" dirty="0" smtClean="0">
               <a:latin typeface="Arial" panose="020B0604020202020204" pitchFamily="34" charset="0"/>
@@ -6854,11 +6869,18 @@
               <a:t> </a:t>
             </a:r>
             <a:r>
-              <a:rPr lang="pt-BR" b="1" cap="none" dirty="0" err="1" smtClean="0">
+              <a:rPr lang="pt-BR" b="1" cap="none" dirty="0">
                 <a:latin typeface="Arial" panose="020B0604020202020204" pitchFamily="34" charset="0"/>
                 <a:cs typeface="Arial" panose="020B0604020202020204" pitchFamily="34" charset="0"/>
               </a:rPr>
-              <a:t>souza</a:t>
+              <a:t>S</a:t>
+            </a:r>
+            <a:r>
+              <a:rPr lang="pt-BR" b="1" cap="none" dirty="0" smtClean="0">
+                <a:latin typeface="Arial" panose="020B0604020202020204" pitchFamily="34" charset="0"/>
+                <a:cs typeface="Arial" panose="020B0604020202020204" pitchFamily="34" charset="0"/>
+              </a:rPr>
+              <a:t>ouza</a:t>
             </a:r>
             <a:endParaRPr lang="pt-BR" b="1" cap="none" dirty="0" smtClean="0">
               <a:latin typeface="Arial" panose="020B0604020202020204" pitchFamily="34" charset="0"/>
@@ -6877,11 +6899,11 @@
               <a:t>           Richardson </a:t>
             </a:r>
             <a:r>
-              <a:rPr lang="pt-BR" b="1" cap="none" dirty="0" err="1" smtClean="0">
+              <a:rPr lang="pt-BR" b="1" cap="none" dirty="0" smtClean="0">
                 <a:latin typeface="Arial" panose="020B0604020202020204" pitchFamily="34" charset="0"/>
                 <a:cs typeface="Arial" panose="020B0604020202020204" pitchFamily="34" charset="0"/>
               </a:rPr>
-              <a:t>tibúrcio</a:t>
+              <a:t>Tibúrcio</a:t>
             </a:r>
             <a:endParaRPr lang="pt-BR" cap="none" dirty="0" smtClean="0"/>
           </a:p>
@@ -7387,8 +7409,8 @@
         </p:blipFill>
         <p:spPr bwMode="auto">
           <a:xfrm>
-            <a:off x="6811110" y="3159368"/>
-            <a:ext cx="1395043" cy="773724"/>
+            <a:off x="6811110" y="3159367"/>
+            <a:ext cx="2060858" cy="1143001"/>
           </a:xfrm>
           <a:prstGeom prst="rect">
             <a:avLst/>
@@ -7439,8 +7461,8 @@
         </p:blipFill>
         <p:spPr bwMode="auto">
           <a:xfrm>
-            <a:off x="9595797" y="3446583"/>
-            <a:ext cx="1928384" cy="973017"/>
+            <a:off x="9026577" y="3159369"/>
+            <a:ext cx="2497604" cy="1260232"/>
           </a:xfrm>
           <a:prstGeom prst="rect">
             <a:avLst/>
@@ -9081,8 +9103,13 @@
             </a:r>
             <a:r>
               <a:rPr lang="pt-BR" dirty="0"/>
-              <a:t>de unidade, </a:t>
-            </a:r>
+              <a:t>de </a:t>
+            </a:r>
+            <a:r>
+              <a:rPr lang="pt-BR" dirty="0" smtClean="0"/>
+              <a:t>unidade </a:t>
+            </a:r>
+            <a:endParaRPr lang="pt-BR" dirty="0"/>
           </a:p>
           <a:p>
             <a:pPr marL="285750" indent="-285750">
@@ -9794,25 +9821,6 @@
               </a:spcAft>
               <a:defRPr/>
             </a:pPr>
-            <a:endParaRPr lang="pt-BR"/>
-          </a:p>
-        </p:txBody>
-      </p:sp>
-      <p:sp>
-        <p:nvSpPr>
-          <p:cNvPr id="4" name="Subtítulo 3"/>
-          <p:cNvSpPr>
-            <a:spLocks noGrp="1"/>
-          </p:cNvSpPr>
-          <p:nvPr>
-            <p:ph type="subTitle" idx="1"/>
-          </p:nvPr>
-        </p:nvSpPr>
-        <p:spPr/>
-        <p:txBody>
-          <a:bodyPr/>
-          <a:lstStyle/>
-          <a:p>
             <a:endParaRPr lang="pt-BR"/>
           </a:p>
         </p:txBody>
@@ -9945,33 +9953,6 @@
               <a:t>Plano de Teste</a:t>
             </a:r>
             <a:endParaRPr lang="pt-BR" dirty="0"/>
-          </a:p>
-        </p:txBody>
-      </p:sp>
-      <p:sp>
-        <p:nvSpPr>
-          <p:cNvPr id="3" name="Subtítulo 2"/>
-          <p:cNvSpPr>
-            <a:spLocks noGrp="1"/>
-          </p:cNvSpPr>
-          <p:nvPr>
-            <p:ph type="subTitle" idx="1"/>
-          </p:nvPr>
-        </p:nvSpPr>
-        <p:spPr>
-          <a:xfrm>
-            <a:off x="1208088" y="3189288"/>
-            <a:ext cx="10058400" cy="960437"/>
-          </a:xfrm>
-        </p:spPr>
-        <p:txBody>
-          <a:bodyPr rtlCol="0"/>
-          <a:lstStyle/>
-          <a:p>
-            <a:pPr fontAlgn="auto">
-              <a:defRPr/>
-            </a:pPr>
-            <a:endParaRPr lang="pt-BR" dirty="0" smtClean="0"/>
           </a:p>
         </p:txBody>
       </p:sp>
@@ -14932,10 +14913,16 @@
           <a:lstStyle/>
           <a:p>
             <a:r>
+              <a:rPr lang="pt-BR" dirty="0" smtClean="0">
+                <a:latin typeface="Calibri" pitchFamily="34" charset="0"/>
+              </a:rPr>
+              <a:t>O </a:t>
+            </a:r>
+            <a:r>
               <a:rPr lang="pt-BR" dirty="0">
                 <a:latin typeface="Calibri" pitchFamily="34" charset="0"/>
               </a:rPr>
-              <a:t>O desempenho da equipe de desenvolvimento </a:t>
+              <a:t>desempenho da equipe de desenvolvimento </a:t>
             </a:r>
             <a:r>
               <a:rPr lang="pt-BR" dirty="0" smtClean="0">
@@ -15272,7 +15259,7 @@
   <a:extraClrSchemeLst/>
   <a:extLst>
     <a:ext uri="{05A4C25C-085E-4340-85A3-A5531E510DB2}">
-      <thm15:themeFamily xmlns="" xmlns:thm15="http://schemas.microsoft.com/office/thememl/2012/main" name="Retrospect" id="{5F128B03-DCCA-4EEB-AB3B-CF2899314A46}" vid="{D26EA377-59BD-4C9C-9D94-EE8416EE4C79}"/>
+      <thm15:themeFamily xmlns:thm15="http://schemas.microsoft.com/office/thememl/2012/main" xmlns="" name="Retrospect" id="{5F128B03-DCCA-4EEB-AB3B-CF2899314A46}" vid="{D26EA377-59BD-4C9C-9D94-EE8416EE4C79}"/>
     </a:ext>
   </a:extLst>
 </a:theme>
@@ -15533,7 +15520,7 @@
   <a:extraClrSchemeLst/>
   <a:extLst>
     <a:ext uri="{05A4C25C-085E-4340-85A3-A5531E510DB2}">
-      <thm15:themeFamily xmlns="" xmlns:thm15="http://schemas.microsoft.com/office/thememl/2012/main" name="Office Theme" id="{62F939B6-93AF-4DB8-9C6B-D6C7DFDC589F}" vid="{4A3C46E8-61CC-4603-A589-7422A47A8E4A}"/>
+      <thm15:themeFamily xmlns:thm15="http://schemas.microsoft.com/office/thememl/2012/main" xmlns="" name="Office Theme" id="{62F939B6-93AF-4DB8-9C6B-D6C7DFDC589F}" vid="{4A3C46E8-61CC-4603-A589-7422A47A8E4A}"/>
     </a:ext>
   </a:extLst>
 </a:theme>

--- a/CT-Apresentacao/Apresentacao.pptx
+++ b/CT-Apresentacao/Apresentacao.pptx
@@ -6297,32 +6297,32 @@
         </p:nvSpPr>
         <p:spPr>
           <a:xfrm>
-            <a:off x="1096962" y="430579"/>
-            <a:ext cx="9571037" cy="1749425"/>
+            <a:off x="269631" y="430579"/>
+            <a:ext cx="11781691" cy="1749425"/>
           </a:xfrm>
         </p:spPr>
         <p:txBody>
           <a:bodyPr>
-            <a:normAutofit fontScale="90000"/>
+            <a:normAutofit/>
           </a:bodyPr>
           <a:lstStyle/>
           <a:p>
-            <a:pPr fontAlgn="auto">
+            <a:pPr algn="ctr" fontAlgn="auto">
               <a:spcAft>
                 <a:spcPts val="0"/>
               </a:spcAft>
               <a:defRPr/>
             </a:pPr>
             <a:r>
-              <a:rPr lang="pt-BR" b="1" dirty="0"/>
+              <a:rPr lang="pt-BR" sz="7000" b="1" dirty="0"/>
               <a:t>Teste </a:t>
             </a:r>
             <a:r>
-              <a:rPr lang="pt-BR" b="1" dirty="0" smtClean="0"/>
+              <a:rPr lang="pt-BR" sz="7000" b="1" dirty="0" smtClean="0"/>
               <a:t>e </a:t>
             </a:r>
             <a:r>
-              <a:rPr lang="pt-BR" b="1" dirty="0"/>
+              <a:rPr lang="pt-BR" sz="7000" b="1" dirty="0"/>
               <a:t>Configuração de Software</a:t>
             </a:r>
           </a:p>
@@ -6825,18 +6825,11 @@
               <a:t>Adriano </a:t>
             </a:r>
             <a:r>
-              <a:rPr lang="pt-BR" b="1" cap="none" dirty="0" err="1">
+              <a:rPr lang="pt-BR" b="1" cap="none" dirty="0" smtClean="0">
                 <a:latin typeface="Arial" panose="020B0604020202020204" pitchFamily="34" charset="0"/>
                 <a:cs typeface="Arial" panose="020B0604020202020204" pitchFamily="34" charset="0"/>
               </a:rPr>
-              <a:t>V</a:t>
-            </a:r>
-            <a:r>
-              <a:rPr lang="pt-BR" b="1" cap="none" dirty="0" err="1" smtClean="0">
-                <a:latin typeface="Arial" panose="020B0604020202020204" pitchFamily="34" charset="0"/>
-                <a:cs typeface="Arial" panose="020B0604020202020204" pitchFamily="34" charset="0"/>
-              </a:rPr>
-              <a:t>asconcélos</a:t>
+              <a:t>Vasconcelos</a:t>
             </a:r>
             <a:endParaRPr lang="pt-BR" b="1" cap="none" dirty="0" smtClean="0">
               <a:latin typeface="Arial" panose="020B0604020202020204" pitchFamily="34" charset="0"/>
@@ -6882,10 +6875,6 @@
               </a:rPr>
               <a:t>ouza</a:t>
             </a:r>
-            <a:endParaRPr lang="pt-BR" b="1" cap="none" dirty="0" smtClean="0">
-              <a:latin typeface="Arial" panose="020B0604020202020204" pitchFamily="34" charset="0"/>
-              <a:cs typeface="Arial" panose="020B0604020202020204" pitchFamily="34" charset="0"/>
-            </a:endParaRPr>
           </a:p>
           <a:p>
             <a:pPr fontAlgn="auto">
@@ -6896,14 +6885,7 @@
                 <a:latin typeface="Arial" panose="020B0604020202020204" pitchFamily="34" charset="0"/>
                 <a:cs typeface="Arial" panose="020B0604020202020204" pitchFamily="34" charset="0"/>
               </a:rPr>
-              <a:t>           Richardson </a:t>
-            </a:r>
-            <a:r>
-              <a:rPr lang="pt-BR" b="1" cap="none" dirty="0" smtClean="0">
-                <a:latin typeface="Arial" panose="020B0604020202020204" pitchFamily="34" charset="0"/>
-                <a:cs typeface="Arial" panose="020B0604020202020204" pitchFamily="34" charset="0"/>
-              </a:rPr>
-              <a:t>Tibúrcio</a:t>
+              <a:t>           Richardson Tibúrcio</a:t>
             </a:r>
             <a:endParaRPr lang="pt-BR" cap="none" dirty="0" smtClean="0"/>
           </a:p>
@@ -9169,118 +9151,118 @@
             <p:ph idx="1"/>
           </p:nvPr>
         </p:nvSpPr>
-        <p:spPr/>
+        <p:spPr>
+          <a:xfrm>
+            <a:off x="746124" y="1828801"/>
+            <a:ext cx="10941783" cy="4040188"/>
+          </a:xfrm>
+        </p:spPr>
         <p:txBody>
           <a:bodyPr/>
           <a:lstStyle/>
           <a:p>
             <a:r>
-              <a:rPr lang="pt-BR" dirty="0">
+              <a:rPr lang="pt-BR" sz="2400" b="1" dirty="0">
                 <a:solidFill>
-                  <a:schemeClr val="bg2">
-                    <a:lumMod val="50000"/>
-                  </a:schemeClr>
+                  <a:schemeClr val="tx1"/>
                 </a:solidFill>
-                <a:hlinkClick r:id="rId2"/>
               </a:rPr>
               <a:t>http://</a:t>
             </a:r>
             <a:r>
-              <a:rPr lang="pt-BR" dirty="0" smtClean="0">
+              <a:rPr lang="pt-BR" sz="2400" b="1" dirty="0" smtClean="0">
                 <a:solidFill>
-                  <a:schemeClr val="bg2">
-                    <a:lumMod val="50000"/>
-                  </a:schemeClr>
+                  <a:schemeClr val="tx1"/>
                 </a:solidFill>
-                <a:hlinkClick r:id="rId2"/>
               </a:rPr>
               <a:t>walderson.com/IBM/RUP7/SmallProjects/core.base_rup/guidances/concepts/test_strategy_9981F03E.html</a:t>
             </a:r>
-            <a:endParaRPr lang="pt-BR" dirty="0" smtClean="0">
+          </a:p>
+          <a:p>
+            <a:endParaRPr lang="pt-BR" sz="2400" b="1" dirty="0">
               <a:solidFill>
-                <a:schemeClr val="bg2">
-                  <a:lumMod val="50000"/>
-                </a:schemeClr>
+                <a:schemeClr val="tx1"/>
               </a:solidFill>
             </a:endParaRPr>
           </a:p>
           <a:p>
-            <a:endParaRPr lang="pt-BR" dirty="0">
+            <a:r>
+              <a:rPr lang="pt-BR" sz="2400" b="1" dirty="0">
+                <a:solidFill>
+                  <a:schemeClr val="tx1"/>
+                </a:solidFill>
+              </a:rPr>
+              <a:t>http://www.ic.unicamp.br/~</a:t>
+            </a:r>
+            <a:r>
+              <a:rPr lang="pt-BR" sz="2400" b="1" dirty="0" smtClean="0">
+                <a:solidFill>
+                  <a:schemeClr val="tx1"/>
+                </a:solidFill>
+              </a:rPr>
+              <a:t>ranido/mc626/FasesTestes.pdf</a:t>
+            </a:r>
+          </a:p>
+          <a:p>
+            <a:endParaRPr lang="pt-BR" sz="2400" b="1" dirty="0">
               <a:solidFill>
-                <a:schemeClr val="bg2">
-                  <a:lumMod val="50000"/>
-                </a:schemeClr>
+                <a:schemeClr val="tx1"/>
               </a:solidFill>
             </a:endParaRPr>
           </a:p>
           <a:p>
             <a:r>
-              <a:rPr lang="pt-BR" dirty="0">
+              <a:rPr lang="pt-BR" sz="2400" b="1" dirty="0">
                 <a:solidFill>
-                  <a:schemeClr val="bg2">
-                    <a:lumMod val="50000"/>
-                  </a:schemeClr>
+                  <a:schemeClr val="tx1"/>
                 </a:solidFill>
-                <a:hlinkClick r:id="rId3"/>
               </a:rPr>
-              <a:t>http://www.ic.unicamp.br/~</a:t>
-            </a:r>
-            <a:r>
-              <a:rPr lang="pt-BR" dirty="0" smtClean="0">
+              <a:t>http://</a:t>
+            </a:r>
+            <a:r>
+              <a:rPr lang="pt-BR" sz="2400" b="1" dirty="0" smtClean="0">
                 <a:solidFill>
-                  <a:schemeClr val="bg2">
-                    <a:lumMod val="50000"/>
-                  </a:schemeClr>
+                  <a:schemeClr val="tx1"/>
                 </a:solidFill>
-                <a:hlinkClick r:id="rId3"/>
               </a:rPr>
-              <a:t>ranido/mc626/FasesTestes.pdf</a:t>
-            </a:r>
-            <a:endParaRPr lang="pt-BR" dirty="0" smtClean="0">
+              <a:t>vicenteandretti.blogspot.com.br/2010/05/escopo-negativo.html</a:t>
+            </a:r>
+          </a:p>
+          <a:p>
+            <a:endParaRPr lang="pt-BR" sz="2400" b="1" dirty="0" smtClean="0">
               <a:solidFill>
-                <a:schemeClr val="bg2">
-                  <a:lumMod val="50000"/>
-                </a:schemeClr>
+                <a:schemeClr val="tx1"/>
               </a:solidFill>
             </a:endParaRPr>
           </a:p>
           <a:p>
-            <a:endParaRPr lang="pt-BR" dirty="0">
+            <a:r>
+              <a:rPr lang="pt-BR" sz="2400" b="1" dirty="0" smtClean="0">
+                <a:solidFill>
+                  <a:schemeClr val="tx1"/>
+                </a:solidFill>
+              </a:rPr>
+              <a:t> SLIDES </a:t>
+            </a:r>
+            <a:r>
+              <a:rPr lang="pt-BR" sz="2400" b="1" dirty="0">
+                <a:solidFill>
+                  <a:schemeClr val="tx1"/>
+                </a:solidFill>
+              </a:rPr>
+              <a:t>Lecionados </a:t>
+            </a:r>
+            <a:r>
+              <a:rPr lang="pt-BR" sz="2400" b="1" dirty="0" smtClean="0">
+                <a:solidFill>
+                  <a:schemeClr val="tx1"/>
+                </a:solidFill>
+              </a:rPr>
+              <a:t>em sala de aula.</a:t>
+            </a:r>
+            <a:endParaRPr lang="pt-BR" sz="2400" b="1" dirty="0" smtClean="0">
               <a:solidFill>
-                <a:schemeClr val="bg2">
-                  <a:lumMod val="50000"/>
-                </a:schemeClr>
-              </a:solidFill>
-            </a:endParaRPr>
-          </a:p>
-          <a:p>
-            <a:r>
-              <a:rPr lang="pt-BR" dirty="0">
-                <a:solidFill>
-                  <a:schemeClr val="bg2">
-                    <a:lumMod val="50000"/>
-                  </a:schemeClr>
-                </a:solidFill>
-                <a:hlinkClick r:id="rId4"/>
-              </a:rPr>
-              <a:t>http://</a:t>
-            </a:r>
-            <a:r>
-              <a:rPr lang="pt-BR" dirty="0" smtClean="0">
-                <a:solidFill>
-                  <a:schemeClr val="bg2">
-                    <a:lumMod val="50000"/>
-                  </a:schemeClr>
-                </a:solidFill>
-                <a:hlinkClick r:id="rId4"/>
-              </a:rPr>
-              <a:t>vicenteandretti.blogspot.com.br/2010/05/escopo-negativo.html</a:t>
-            </a:r>
-            <a:endParaRPr lang="pt-BR" dirty="0" smtClean="0">
-              <a:solidFill>
-                <a:schemeClr val="bg2">
-                  <a:lumMod val="50000"/>
-                </a:schemeClr>
+                <a:schemeClr val="tx1"/>
               </a:solidFill>
             </a:endParaRPr>
           </a:p>
@@ -10683,8 +10665,8 @@
         </p:nvSpPr>
         <p:spPr>
           <a:xfrm>
-            <a:off x="1208088" y="3341688"/>
-            <a:ext cx="10058400" cy="1171575"/>
+            <a:off x="1208088" y="4150212"/>
+            <a:ext cx="10058400" cy="585788"/>
           </a:xfrm>
           <a:prstGeom prst="rect">
             <a:avLst/>
@@ -10955,8 +10937,8 @@
         </p:nvSpPr>
         <p:spPr bwMode="auto">
           <a:xfrm>
-            <a:off x="1406525" y="1898650"/>
-            <a:ext cx="9555163" cy="1754326"/>
+            <a:off x="363415" y="1606061"/>
+            <a:ext cx="11324493" cy="2677656"/>
           </a:xfrm>
           <a:prstGeom prst="rect">
             <a:avLst/>
@@ -10970,49 +10952,49 @@
           </a:ln>
         </p:spPr>
         <p:txBody>
-          <a:bodyPr>
+          <a:bodyPr wrap="square">
             <a:spAutoFit/>
           </a:bodyPr>
           <a:lstStyle/>
           <a:p>
             <a:pPr algn="just"/>
             <a:r>
-              <a:rPr lang="pt-BR" dirty="0">
+              <a:rPr lang="pt-BR" sz="2400" dirty="0">
                 <a:latin typeface="Calibri" pitchFamily="34" charset="0"/>
               </a:rPr>
               <a:t>   </a:t>
             </a:r>
             <a:r>
-              <a:rPr lang="pt-BR" dirty="0">
+              <a:rPr lang="pt-BR" sz="2400" dirty="0">
                 <a:latin typeface="+mn-lt"/>
               </a:rPr>
               <a:t>É de fundamental importância </a:t>
             </a:r>
             <a:r>
-              <a:rPr lang="pt-BR" dirty="0" smtClean="0">
+              <a:rPr lang="pt-BR" sz="2400" dirty="0" smtClean="0">
                 <a:latin typeface="+mn-lt"/>
               </a:rPr>
               <a:t>o plano para se projetar  o software, entender as necessidades de que o projeto precisa, fazendo as alterações para que o produto final saia de acordo com que foi feito no escopo, é de suma importância os testes para que o software tenha um bom  desenvolvimento. </a:t>
             </a:r>
             <a:r>
-              <a:rPr lang="pt-BR" dirty="0" smtClean="0">
+              <a:rPr lang="pt-BR" sz="2400" dirty="0" smtClean="0">
                 <a:latin typeface="Calibri" pitchFamily="34" charset="0"/>
               </a:rPr>
               <a:t>Os </a:t>
             </a:r>
             <a:r>
-              <a:rPr lang="pt-BR" dirty="0">
+              <a:rPr lang="pt-BR" sz="2400" dirty="0">
                 <a:latin typeface="Calibri" pitchFamily="34" charset="0"/>
               </a:rPr>
               <a:t>testes serão feitos desde sua criação até o complemento  final, </a:t>
             </a:r>
             <a:r>
-              <a:rPr lang="pt-BR" dirty="0" smtClean="0">
+              <a:rPr lang="pt-BR" sz="2400" dirty="0" smtClean="0">
                 <a:latin typeface="Calibri" pitchFamily="34" charset="0"/>
               </a:rPr>
               <a:t>serão repetidos exaustivamente com a intenção de se obter um bom produto,  algumas ferramentas e técnicas serão usadas para se obter um bom andamento dos testes e obter um bom funcionamento do software.</a:t>
             </a:r>
-            <a:endParaRPr lang="pt-BR" dirty="0">
+            <a:endParaRPr lang="pt-BR" sz="2400" dirty="0">
               <a:latin typeface="Calibri" pitchFamily="34" charset="0"/>
             </a:endParaRPr>
           </a:p>
@@ -11572,7 +11554,7 @@
         <p:spPr bwMode="auto">
           <a:xfrm>
             <a:off x="1406525" y="1898650"/>
-            <a:ext cx="9555163" cy="1200150"/>
+            <a:ext cx="9555163" cy="2246769"/>
           </a:xfrm>
           <a:prstGeom prst="rect">
             <a:avLst/>
@@ -11592,7 +11574,7 @@
           <a:lstStyle/>
           <a:p>
             <a:r>
-              <a:rPr lang="pt-BR">
+              <a:rPr lang="pt-BR" sz="2800" dirty="0">
                 <a:latin typeface="Calibri" pitchFamily="34" charset="0"/>
               </a:rPr>
               <a:t>   Esse documento do Plano de Testes  tem por objetivo elaborar a estrutura para garantir a confiabilidade do software, através dos casos de testes, é por ele que iremos identificar como o software se comportará a cada interação feita, pois, a finalidade dos testes é  obter um bom funcionamento do software</a:t>
@@ -12174,7 +12156,7 @@
           <a:lstStyle/>
           <a:p>
             <a:r>
-              <a:rPr lang="pt-BR">
+              <a:rPr lang="pt-BR" dirty="0">
                 <a:latin typeface="Calibri" pitchFamily="34" charset="0"/>
               </a:rPr>
               <a:t>   Foi realizado os testes nos módulos  gerenciar e  iniciar jogo:</a:t>
@@ -12182,7 +12164,7 @@
           </a:p>
           <a:p>
             <a:r>
-              <a:rPr lang="pt-BR">
+              <a:rPr lang="pt-BR" dirty="0">
                 <a:latin typeface="Calibri" pitchFamily="34" charset="0"/>
               </a:rPr>
               <a:t>   </a:t>
@@ -13609,7 +13591,7 @@
         <p:spPr bwMode="auto">
           <a:xfrm>
             <a:off x="1406525" y="1898650"/>
-            <a:ext cx="9555163" cy="2031325"/>
+            <a:ext cx="9555163" cy="2523768"/>
           </a:xfrm>
           <a:prstGeom prst="rect">
             <a:avLst/>
@@ -13630,73 +13612,73 @@
           <a:p>
             <a:pPr algn="just"/>
             <a:r>
-              <a:rPr lang="pt-BR" dirty="0" smtClean="0">
+              <a:rPr lang="pt-BR" sz="2000" dirty="0" smtClean="0">
                 <a:latin typeface="Calibri" pitchFamily="34" charset="0"/>
               </a:rPr>
               <a:t>   Criar um fluxo de  testes, em sequência, para se ter uma ordem do que foi feito de teste no software, e entender sua resposta de acordo com o teste atribuído</a:t>
             </a:r>
             <a:r>
-              <a:rPr lang="pt-BR" dirty="0">
+              <a:rPr lang="pt-BR" sz="2000" dirty="0">
                 <a:latin typeface="Calibri" pitchFamily="34" charset="0"/>
               </a:rPr>
               <a:t>, </a:t>
             </a:r>
             <a:r>
-              <a:rPr lang="pt-BR" dirty="0" smtClean="0">
+              <a:rPr lang="pt-BR" sz="2000" dirty="0" smtClean="0">
                 <a:latin typeface="Calibri" pitchFamily="34" charset="0"/>
               </a:rPr>
               <a:t> </a:t>
             </a:r>
             <a:r>
-              <a:rPr lang="pt-BR" dirty="0">
+              <a:rPr lang="pt-BR" sz="2000" dirty="0">
                 <a:latin typeface="Calibri" pitchFamily="34" charset="0"/>
               </a:rPr>
               <a:t>deve </a:t>
             </a:r>
             <a:r>
-              <a:rPr lang="pt-BR" dirty="0" smtClean="0">
+              <a:rPr lang="pt-BR" sz="2000" dirty="0" smtClean="0">
                 <a:latin typeface="Calibri" pitchFamily="34" charset="0"/>
               </a:rPr>
               <a:t>abranger </a:t>
             </a:r>
             <a:r>
-              <a:rPr lang="pt-BR" dirty="0">
+              <a:rPr lang="pt-BR" sz="2000" dirty="0">
                 <a:latin typeface="Calibri" pitchFamily="34" charset="0"/>
               </a:rPr>
               <a:t>os níveis ou fases de teste. </a:t>
             </a:r>
             <a:r>
-              <a:rPr lang="pt-BR" dirty="0" smtClean="0">
+              <a:rPr lang="pt-BR" sz="2000" dirty="0" smtClean="0">
                 <a:latin typeface="Calibri" pitchFamily="34" charset="0"/>
               </a:rPr>
               <a:t>A importância dos teste é conseguir ter o mínimo de tempo desperdiçado, redundância, esforço desnecessário e infiltração de erros sem serem descobertos</a:t>
             </a:r>
             <a:r>
-              <a:rPr lang="pt-BR" dirty="0">
+              <a:rPr lang="pt-BR" sz="2000" dirty="0">
                 <a:latin typeface="Calibri" pitchFamily="34" charset="0"/>
               </a:rPr>
               <a:t>. </a:t>
             </a:r>
-            <a:endParaRPr lang="pt-BR" dirty="0" smtClean="0">
+            <a:endParaRPr lang="pt-BR" sz="2000" dirty="0" smtClean="0">
               <a:latin typeface="Calibri" pitchFamily="34" charset="0"/>
             </a:endParaRPr>
           </a:p>
           <a:p>
             <a:pPr algn="just"/>
             <a:r>
-              <a:rPr lang="pt-BR" dirty="0">
+              <a:rPr lang="pt-BR" sz="2000" dirty="0">
                 <a:latin typeface="Calibri" pitchFamily="34" charset="0"/>
               </a:rPr>
               <a:t> </a:t>
             </a:r>
             <a:r>
-              <a:rPr lang="pt-BR" dirty="0" smtClean="0">
+              <a:rPr lang="pt-BR" sz="2000" dirty="0" smtClean="0">
                 <a:latin typeface="Calibri" pitchFamily="34" charset="0"/>
               </a:rPr>
               <a:t>  </a:t>
             </a:r>
             <a:r>
-              <a:rPr lang="pt-BR" dirty="0">
+              <a:rPr lang="pt-BR" sz="2000" dirty="0">
                 <a:latin typeface="Calibri" pitchFamily="34" charset="0"/>
               </a:rPr>
               <a:t>A estratégia de testes de softwares também deve descrever com clareza os critérios para a conclusão dos testes e os critérios de sucesso a serem usados. </a:t>
@@ -14263,7 +14245,7 @@
         <p:spPr bwMode="auto">
           <a:xfrm>
             <a:off x="1406525" y="1898650"/>
-            <a:ext cx="9555163" cy="915988"/>
+            <a:ext cx="9555163" cy="1815882"/>
           </a:xfrm>
           <a:prstGeom prst="rect">
             <a:avLst/>
@@ -14283,55 +14265,55 @@
           <a:lstStyle/>
           <a:p>
             <a:r>
-              <a:rPr lang="pt-BR" dirty="0">
+              <a:rPr lang="pt-BR" sz="2800" dirty="0">
                 <a:latin typeface="Calibri" pitchFamily="34" charset="0"/>
               </a:rPr>
               <a:t>Os testes foram satisfatórios, com trinta e </a:t>
             </a:r>
             <a:r>
-              <a:rPr lang="pt-BR" dirty="0" smtClean="0">
+              <a:rPr lang="pt-BR" sz="2800" dirty="0" smtClean="0">
                 <a:latin typeface="Calibri" pitchFamily="34" charset="0"/>
               </a:rPr>
               <a:t>dois(   ) </a:t>
             </a:r>
             <a:r>
-              <a:rPr lang="pt-BR" dirty="0">
+              <a:rPr lang="pt-BR" sz="2800" dirty="0">
                 <a:latin typeface="Calibri" pitchFamily="34" charset="0"/>
               </a:rPr>
               <a:t>casos de testes, sendo vinte e </a:t>
             </a:r>
             <a:r>
-              <a:rPr lang="pt-BR" dirty="0" smtClean="0">
+              <a:rPr lang="pt-BR" sz="2800" dirty="0" smtClean="0">
                 <a:latin typeface="Calibri" pitchFamily="34" charset="0"/>
               </a:rPr>
               <a:t>um(  ) </a:t>
             </a:r>
             <a:r>
-              <a:rPr lang="pt-BR" dirty="0">
+              <a:rPr lang="pt-BR" sz="2800" dirty="0">
                 <a:latin typeface="Calibri" pitchFamily="34" charset="0"/>
               </a:rPr>
               <a:t>testes com sucesso </a:t>
             </a:r>
             <a:r>
-              <a:rPr lang="pt-BR" dirty="0" smtClean="0">
+              <a:rPr lang="pt-BR" sz="2800" dirty="0" smtClean="0">
                 <a:latin typeface="Calibri" pitchFamily="34" charset="0"/>
               </a:rPr>
               <a:t>onze(   ) </a:t>
             </a:r>
             <a:r>
-              <a:rPr lang="pt-BR" dirty="0">
+              <a:rPr lang="pt-BR" sz="2800" dirty="0">
                 <a:latin typeface="Calibri" pitchFamily="34" charset="0"/>
               </a:rPr>
               <a:t>com falha e quatro</a:t>
             </a:r>
             <a:r>
-              <a:rPr lang="pt-BR" dirty="0" smtClean="0">
+              <a:rPr lang="pt-BR" sz="2800" dirty="0" smtClean="0">
                 <a:latin typeface="Calibri" pitchFamily="34" charset="0"/>
               </a:rPr>
               <a:t>(   ) </a:t>
             </a:r>
             <a:r>
-              <a:rPr lang="pt-BR" dirty="0">
+              <a:rPr lang="pt-BR" sz="2800" dirty="0">
                 <a:latin typeface="Calibri" pitchFamily="34" charset="0"/>
               </a:rPr>
               <a:t>não foram executados, pois o jogo estava somente com a parte gerencial.</a:t>
@@ -15259,7 +15241,7 @@
   <a:extraClrSchemeLst/>
   <a:extLst>
     <a:ext uri="{05A4C25C-085E-4340-85A3-A5531E510DB2}">
-      <thm15:themeFamily xmlns:thm15="http://schemas.microsoft.com/office/thememl/2012/main" xmlns="" name="Retrospect" id="{5F128B03-DCCA-4EEB-AB3B-CF2899314A46}" vid="{D26EA377-59BD-4C9C-9D94-EE8416EE4C79}"/>
+      <thm15:themeFamily xmlns="" xmlns:thm15="http://schemas.microsoft.com/office/thememl/2012/main" name="Retrospect" id="{5F128B03-DCCA-4EEB-AB3B-CF2899314A46}" vid="{D26EA377-59BD-4C9C-9D94-EE8416EE4C79}"/>
     </a:ext>
   </a:extLst>
 </a:theme>
@@ -15520,7 +15502,7 @@
   <a:extraClrSchemeLst/>
   <a:extLst>
     <a:ext uri="{05A4C25C-085E-4340-85A3-A5531E510DB2}">
-      <thm15:themeFamily xmlns:thm15="http://schemas.microsoft.com/office/thememl/2012/main" xmlns="" name="Office Theme" id="{62F939B6-93AF-4DB8-9C6B-D6C7DFDC589F}" vid="{4A3C46E8-61CC-4603-A589-7422A47A8E4A}"/>
+      <thm15:themeFamily xmlns="" xmlns:thm15="http://schemas.microsoft.com/office/thememl/2012/main" name="Office Theme" id="{62F939B6-93AF-4DB8-9C6B-D6C7DFDC589F}" vid="{4A3C46E8-61CC-4603-A589-7422A47A8E4A}"/>
     </a:ext>
   </a:extLst>
 </a:theme>

--- a/CT-Apresentacao/Apresentacao.pptx
+++ b/CT-Apresentacao/Apresentacao.pptx
@@ -6822,19 +6822,8 @@
                 <a:latin typeface="Arial" panose="020B0604020202020204" pitchFamily="34" charset="0"/>
                 <a:cs typeface="Arial" panose="020B0604020202020204" pitchFamily="34" charset="0"/>
               </a:rPr>
-              <a:t>Adriano </a:t>
-            </a:r>
-            <a:r>
-              <a:rPr lang="pt-BR" b="1" cap="none" dirty="0" smtClean="0">
-                <a:latin typeface="Arial" panose="020B0604020202020204" pitchFamily="34" charset="0"/>
-                <a:cs typeface="Arial" panose="020B0604020202020204" pitchFamily="34" charset="0"/>
-              </a:rPr>
-              <a:t>Vasconcelos</a:t>
-            </a:r>
-            <a:endParaRPr lang="pt-BR" b="1" cap="none" dirty="0" smtClean="0">
-              <a:latin typeface="Arial" panose="020B0604020202020204" pitchFamily="34" charset="0"/>
-              <a:cs typeface="Arial" panose="020B0604020202020204" pitchFamily="34" charset="0"/>
-            </a:endParaRPr>
+              <a:t>Adriano Vasconcelos</a:t>
+            </a:r>
           </a:p>
           <a:p>
             <a:pPr fontAlgn="auto">
@@ -9260,11 +9249,6 @@
               </a:rPr>
               <a:t>em sala de aula.</a:t>
             </a:r>
-            <a:endParaRPr lang="pt-BR" sz="2400" b="1" dirty="0" smtClean="0">
-              <a:solidFill>
-                <a:schemeClr val="tx1"/>
-              </a:solidFill>
-            </a:endParaRPr>
           </a:p>
           <a:p>
             <a:endParaRPr lang="pt-BR" dirty="0"/>
@@ -12288,35 +12272,26 @@
                     <a:bodyPr/>
                     <a:lstStyle/>
                     <a:p>
-                      <a:pPr marL="0" marR="0" lvl="0" indent="0" algn="l" defTabSz="914400" rtl="0" eaLnBrk="1" fontAlgn="base" latinLnBrk="0" hangingPunct="1">
+                      <a:pPr algn="ctr">
                         <a:lnSpc>
-                          <a:spcPct val="100000"/>
+                          <a:spcPct val="115000"/>
                         </a:lnSpc>
-                        <a:spcBef>
-                          <a:spcPct val="0"/>
-                        </a:spcBef>
                         <a:spcAft>
-                          <a:spcPct val="0"/>
+                          <a:spcPts val="0"/>
                         </a:spcAft>
-                        <a:buClrTx/>
-                        <a:buSzTx/>
-                        <a:buFontTx/>
-                        <a:buNone/>
-                        <a:tabLst/>
                       </a:pPr>
-                      <a:endParaRPr kumimoji="0" lang="pt-BR" sz="1800" b="1" i="0" u="none" strike="noStrike" cap="none" normalizeH="0" baseline="0" dirty="0" smtClean="0">
-                        <a:ln>
-                          <a:noFill/>
-                        </a:ln>
-                        <a:solidFill>
-                          <a:srgbClr val="FFFFFF"/>
-                        </a:solidFill>
-                        <a:effectLst/>
-                        <a:latin typeface="Calibri" pitchFamily="34" charset="0"/>
-                      </a:endParaRPr>
+                      <a:r>
+                        <a:rPr lang="pt-BR" sz="1100">
+                          <a:effectLst/>
+                          <a:latin typeface="Calibri"/>
+                          <a:ea typeface="Calibri"/>
+                          <a:cs typeface="Times New Roman"/>
+                        </a:rPr>
+                        <a:t>30</a:t>
+                      </a:r>
                     </a:p>
                   </a:txBody>
-                  <a:tcPr horzOverflow="overflow">
+                  <a:tcPr marL="68580" marR="68580" marT="0" marB="0" anchor="ctr">
                     <a:lnL w="12700" cap="flat" cmpd="sng" algn="ctr">
                       <a:solidFill>
                         <a:schemeClr val="bg1"/>
@@ -12455,35 +12430,26 @@
                     <a:bodyPr/>
                     <a:lstStyle/>
                     <a:p>
-                      <a:pPr marL="0" marR="0" lvl="0" indent="0" algn="l" defTabSz="914400" rtl="0" eaLnBrk="1" fontAlgn="base" latinLnBrk="0" hangingPunct="1">
+                      <a:pPr algn="ctr">
                         <a:lnSpc>
-                          <a:spcPct val="100000"/>
+                          <a:spcPct val="115000"/>
                         </a:lnSpc>
-                        <a:spcBef>
-                          <a:spcPct val="0"/>
-                        </a:spcBef>
                         <a:spcAft>
-                          <a:spcPct val="0"/>
+                          <a:spcPts val="0"/>
                         </a:spcAft>
-                        <a:buClrTx/>
-                        <a:buSzTx/>
-                        <a:buFontTx/>
-                        <a:buNone/>
-                        <a:tabLst/>
                       </a:pPr>
-                      <a:endParaRPr kumimoji="0" lang="pt-BR" sz="1800" b="0" i="0" u="none" strike="noStrike" cap="none" normalizeH="0" baseline="0" dirty="0" smtClean="0">
-                        <a:ln>
-                          <a:noFill/>
-                        </a:ln>
-                        <a:solidFill>
-                          <a:srgbClr val="000000"/>
-                        </a:solidFill>
-                        <a:effectLst/>
-                        <a:latin typeface="Calibri" pitchFamily="34" charset="0"/>
-                      </a:endParaRPr>
+                      <a:r>
+                        <a:rPr lang="pt-BR" sz="1100">
+                          <a:effectLst/>
+                          <a:latin typeface="Calibri"/>
+                          <a:ea typeface="Calibri"/>
+                          <a:cs typeface="Times New Roman"/>
+                        </a:rPr>
+                        <a:t>25</a:t>
+                      </a:r>
                     </a:p>
                   </a:txBody>
-                  <a:tcPr horzOverflow="overflow">
+                  <a:tcPr marL="68580" marR="68580" marT="0" marB="0" anchor="ctr">
                     <a:lnL w="12700" cap="flat" cmpd="sng" algn="ctr">
                       <a:solidFill>
                         <a:schemeClr val="bg1"/>
@@ -12622,35 +12588,26 @@
                     <a:bodyPr/>
                     <a:lstStyle/>
                     <a:p>
-                      <a:pPr marL="0" marR="0" lvl="0" indent="0" algn="l" defTabSz="914400" rtl="0" eaLnBrk="1" fontAlgn="base" latinLnBrk="0" hangingPunct="1">
+                      <a:pPr algn="ctr">
                         <a:lnSpc>
-                          <a:spcPct val="100000"/>
+                          <a:spcPct val="115000"/>
                         </a:lnSpc>
-                        <a:spcBef>
-                          <a:spcPct val="0"/>
-                        </a:spcBef>
                         <a:spcAft>
-                          <a:spcPct val="0"/>
+                          <a:spcPts val="0"/>
                         </a:spcAft>
-                        <a:buClrTx/>
-                        <a:buSzTx/>
-                        <a:buFontTx/>
-                        <a:buNone/>
-                        <a:tabLst/>
                       </a:pPr>
-                      <a:endParaRPr kumimoji="0" lang="pt-BR" sz="1800" b="0" i="0" u="none" strike="noStrike" cap="none" normalizeH="0" baseline="0" dirty="0" smtClean="0">
-                        <a:ln>
-                          <a:noFill/>
-                        </a:ln>
-                        <a:solidFill>
-                          <a:srgbClr val="000000"/>
-                        </a:solidFill>
-                        <a:effectLst/>
-                        <a:latin typeface="Calibri" pitchFamily="34" charset="0"/>
-                      </a:endParaRPr>
+                      <a:r>
+                        <a:rPr lang="pt-BR" sz="1100">
+                          <a:effectLst/>
+                          <a:latin typeface="Calibri"/>
+                          <a:ea typeface="Calibri"/>
+                          <a:cs typeface="Times New Roman"/>
+                        </a:rPr>
+                        <a:t>15</a:t>
+                      </a:r>
                     </a:p>
                   </a:txBody>
-                  <a:tcPr horzOverflow="overflow">
+                  <a:tcPr marL="68580" marR="68580" marT="0" marB="0" anchor="ctr">
                     <a:lnL w="12700" cap="flat" cmpd="sng" algn="ctr">
                       <a:solidFill>
                         <a:schemeClr val="bg1"/>
@@ -12789,35 +12746,26 @@
                     <a:bodyPr/>
                     <a:lstStyle/>
                     <a:p>
-                      <a:pPr marL="0" marR="0" lvl="0" indent="0" algn="l" defTabSz="914400" rtl="0" eaLnBrk="1" fontAlgn="base" latinLnBrk="0" hangingPunct="1">
+                      <a:pPr algn="ctr">
                         <a:lnSpc>
-                          <a:spcPct val="100000"/>
+                          <a:spcPct val="115000"/>
                         </a:lnSpc>
-                        <a:spcBef>
-                          <a:spcPct val="0"/>
-                        </a:spcBef>
                         <a:spcAft>
-                          <a:spcPct val="0"/>
+                          <a:spcPts val="0"/>
                         </a:spcAft>
-                        <a:buClrTx/>
-                        <a:buSzTx/>
-                        <a:buFontTx/>
-                        <a:buNone/>
-                        <a:tabLst/>
                       </a:pPr>
-                      <a:endParaRPr kumimoji="0" lang="pt-BR" sz="1800" b="0" i="0" u="none" strike="noStrike" cap="none" normalizeH="0" baseline="0" dirty="0" smtClean="0">
-                        <a:ln>
-                          <a:noFill/>
-                        </a:ln>
-                        <a:solidFill>
-                          <a:srgbClr val="000000"/>
-                        </a:solidFill>
-                        <a:effectLst/>
-                        <a:latin typeface="Calibri" pitchFamily="34" charset="0"/>
-                      </a:endParaRPr>
+                      <a:r>
+                        <a:rPr lang="pt-BR" sz="1100">
+                          <a:effectLst/>
+                          <a:latin typeface="Calibri"/>
+                          <a:ea typeface="Calibri"/>
+                          <a:cs typeface="Times New Roman"/>
+                        </a:rPr>
+                        <a:t>10</a:t>
+                      </a:r>
                     </a:p>
                   </a:txBody>
-                  <a:tcPr horzOverflow="overflow">
+                  <a:tcPr marL="68580" marR="68580" marT="0" marB="0" anchor="ctr">
                     <a:lnL w="12700" cap="flat" cmpd="sng" algn="ctr">
                       <a:solidFill>
                         <a:schemeClr val="bg1"/>
@@ -12956,35 +12904,26 @@
                     <a:bodyPr/>
                     <a:lstStyle/>
                     <a:p>
-                      <a:pPr marL="0" marR="0" lvl="0" indent="0" algn="l" defTabSz="914400" rtl="0" eaLnBrk="1" fontAlgn="base" latinLnBrk="0" hangingPunct="1">
+                      <a:pPr algn="ctr">
                         <a:lnSpc>
-                          <a:spcPct val="100000"/>
+                          <a:spcPct val="115000"/>
                         </a:lnSpc>
-                        <a:spcBef>
-                          <a:spcPct val="0"/>
-                        </a:spcBef>
                         <a:spcAft>
-                          <a:spcPct val="0"/>
+                          <a:spcPts val="0"/>
                         </a:spcAft>
-                        <a:buClrTx/>
-                        <a:buSzTx/>
-                        <a:buFontTx/>
-                        <a:buNone/>
-                        <a:tabLst/>
                       </a:pPr>
-                      <a:endParaRPr kumimoji="0" lang="pt-BR" sz="1800" b="0" i="0" u="none" strike="noStrike" cap="none" normalizeH="0" baseline="0" dirty="0" smtClean="0">
-                        <a:ln>
-                          <a:noFill/>
-                        </a:ln>
-                        <a:solidFill>
-                          <a:srgbClr val="000000"/>
-                        </a:solidFill>
-                        <a:effectLst/>
-                        <a:latin typeface="Calibri" pitchFamily="34" charset="0"/>
-                      </a:endParaRPr>
+                      <a:r>
+                        <a:rPr lang="pt-BR" sz="1100" dirty="0">
+                          <a:effectLst/>
+                          <a:latin typeface="Calibri"/>
+                          <a:ea typeface="Calibri"/>
+                          <a:cs typeface="Times New Roman"/>
+                        </a:rPr>
+                        <a:t>5</a:t>
+                      </a:r>
                     </a:p>
                   </a:txBody>
-                  <a:tcPr horzOverflow="overflow">
+                  <a:tcPr marL="68580" marR="68580" marT="0" marB="0" anchor="ctr">
                     <a:lnL w="12700" cap="flat" cmpd="sng" algn="ctr">
                       <a:solidFill>
                         <a:schemeClr val="bg1"/>
@@ -15241,7 +15180,7 @@
   <a:extraClrSchemeLst/>
   <a:extLst>
     <a:ext uri="{05A4C25C-085E-4340-85A3-A5531E510DB2}">
-      <thm15:themeFamily xmlns="" xmlns:thm15="http://schemas.microsoft.com/office/thememl/2012/main" name="Retrospect" id="{5F128B03-DCCA-4EEB-AB3B-CF2899314A46}" vid="{D26EA377-59BD-4C9C-9D94-EE8416EE4C79}"/>
+      <thm15:themeFamily xmlns:thm15="http://schemas.microsoft.com/office/thememl/2012/main" xmlns="" name="Retrospect" id="{5F128B03-DCCA-4EEB-AB3B-CF2899314A46}" vid="{D26EA377-59BD-4C9C-9D94-EE8416EE4C79}"/>
     </a:ext>
   </a:extLst>
 </a:theme>
@@ -15502,7 +15441,7 @@
   <a:extraClrSchemeLst/>
   <a:extLst>
     <a:ext uri="{05A4C25C-085E-4340-85A3-A5531E510DB2}">
-      <thm15:themeFamily xmlns="" xmlns:thm15="http://schemas.microsoft.com/office/thememl/2012/main" name="Office Theme" id="{62F939B6-93AF-4DB8-9C6B-D6C7DFDC589F}" vid="{4A3C46E8-61CC-4603-A589-7422A47A8E4A}"/>
+      <thm15:themeFamily xmlns:thm15="http://schemas.microsoft.com/office/thememl/2012/main" xmlns="" name="Office Theme" id="{62F939B6-93AF-4DB8-9C6B-D6C7DFDC589F}" vid="{4A3C46E8-61CC-4603-A589-7422A47A8E4A}"/>
     </a:ext>
   </a:extLst>
 </a:theme>

--- a/CT-Apresentacao/Apresentacao.pptx
+++ b/CT-Apresentacao/Apresentacao.pptx
@@ -259,7 +259,7 @@
               <a:pPr>
                 <a:defRPr/>
               </a:pPr>
-              <a:t>03/06/2015</a:t>
+              <a:t>04/06/2015</a:t>
             </a:fld>
             <a:endParaRPr lang="pt-BR" dirty="0"/>
           </a:p>
@@ -2443,7 +2443,7 @@
               <a:pPr>
                 <a:defRPr/>
               </a:pPr>
-              <a:t>03/06/2015</a:t>
+              <a:t>04/06/2015</a:t>
             </a:fld>
             <a:endParaRPr lang="pt-BR" dirty="0"/>
           </a:p>
@@ -2638,7 +2638,7 @@
               <a:pPr>
                 <a:defRPr/>
               </a:pPr>
-              <a:t>03/06/2015</a:t>
+              <a:t>04/06/2015</a:t>
             </a:fld>
             <a:endParaRPr lang="pt-BR" dirty="0"/>
           </a:p>
@@ -2919,7 +2919,7 @@
               <a:pPr>
                 <a:defRPr/>
               </a:pPr>
-              <a:t>03/06/2015</a:t>
+              <a:t>04/06/2015</a:t>
             </a:fld>
             <a:endParaRPr lang="pt-BR" dirty="0"/>
           </a:p>
@@ -3120,7 +3120,7 @@
               <a:pPr>
                 <a:defRPr/>
               </a:pPr>
-              <a:t>03/06/2015</a:t>
+              <a:t>04/06/2015</a:t>
             </a:fld>
             <a:endParaRPr lang="pt-BR" dirty="0"/>
           </a:p>
@@ -3524,7 +3524,7 @@
               <a:pPr>
                 <a:defRPr/>
               </a:pPr>
-              <a:t>03/06/2015</a:t>
+              <a:t>04/06/2015</a:t>
             </a:fld>
             <a:endParaRPr lang="pt-BR" dirty="0"/>
           </a:p>
@@ -3786,7 +3786,7 @@
               <a:pPr>
                 <a:defRPr/>
               </a:pPr>
-              <a:t>03/06/2015</a:t>
+              <a:t>04/06/2015</a:t>
             </a:fld>
             <a:endParaRPr lang="pt-BR" dirty="0"/>
           </a:p>
@@ -4190,7 +4190,7 @@
               <a:pPr>
                 <a:defRPr/>
               </a:pPr>
-              <a:t>03/06/2015</a:t>
+              <a:t>04/06/2015</a:t>
             </a:fld>
             <a:endParaRPr lang="pt-BR" dirty="0"/>
           </a:p>
@@ -4333,7 +4333,7 @@
               <a:pPr>
                 <a:defRPr/>
               </a:pPr>
-              <a:t>03/06/2015</a:t>
+              <a:t>04/06/2015</a:t>
             </a:fld>
             <a:endParaRPr lang="pt-BR" dirty="0"/>
           </a:p>
@@ -4529,7 +4529,7 @@
               <a:pPr>
                 <a:defRPr/>
               </a:pPr>
-              <a:t>03/06/2015</a:t>
+              <a:t>04/06/2015</a:t>
             </a:fld>
             <a:endParaRPr lang="pt-BR" dirty="0"/>
           </a:p>
@@ -4898,7 +4898,7 @@
               <a:pPr>
                 <a:defRPr/>
               </a:pPr>
-              <a:t>03/06/2015</a:t>
+              <a:t>04/06/2015</a:t>
             </a:fld>
             <a:endParaRPr lang="pt-BR" dirty="0"/>
           </a:p>
@@ -5295,7 +5295,7 @@
               <a:pPr>
                 <a:defRPr/>
               </a:pPr>
-              <a:t>03/06/2015</a:t>
+              <a:t>04/06/2015</a:t>
             </a:fld>
             <a:endParaRPr lang="pt-BR" dirty="0"/>
           </a:p>
@@ -5619,7 +5619,7 @@
               <a:pPr>
                 <a:defRPr/>
               </a:pPr>
-              <a:t>03/06/2015</a:t>
+              <a:t>04/06/2015</a:t>
             </a:fld>
             <a:endParaRPr lang="pt-BR" dirty="0"/>
           </a:p>
@@ -6417,7 +6417,7 @@
                   <a:spcPct val="0"/>
                 </a:spcAft>
               </a:pPr>
-              <a:t>03/06/2015</a:t>
+              <a:t>04/06/2015</a:t>
             </a:fld>
             <a:endParaRPr lang="pt-BR"/>
           </a:p>
@@ -6990,7 +6990,7 @@
                   <a:spcPct val="0"/>
                 </a:spcAft>
               </a:pPr>
-              <a:t>03/06/2015</a:t>
+              <a:t>04/06/2015</a:t>
             </a:fld>
             <a:endParaRPr lang="pt-BR"/>
           </a:p>
@@ -7629,7 +7629,7 @@
                   <a:spcPct val="0"/>
                 </a:spcAft>
               </a:pPr>
-              <a:t>03/06/2015</a:t>
+              <a:t>04/06/2015</a:t>
             </a:fld>
             <a:endParaRPr lang="pt-BR"/>
           </a:p>
@@ -8526,7 +8526,7 @@
                   <a:spcPct val="0"/>
                 </a:spcAft>
               </a:pPr>
-              <a:t>03/06/2015</a:t>
+              <a:t>04/06/2015</a:t>
             </a:fld>
             <a:endParaRPr lang="pt-BR"/>
           </a:p>
@@ -9281,7 +9281,7 @@
               <a:pPr>
                 <a:defRPr/>
               </a:pPr>
-              <a:t>03/06/2015</a:t>
+              <a:t>04/06/2015</a:t>
             </a:fld>
             <a:endParaRPr lang="pt-BR" dirty="0"/>
           </a:p>
@@ -9663,7 +9663,7 @@
                   <a:spcPct val="0"/>
                 </a:spcAft>
               </a:pPr>
-              <a:t>03/06/2015</a:t>
+              <a:t>04/06/2015</a:t>
             </a:fld>
             <a:endParaRPr lang="pt-BR"/>
           </a:p>
@@ -9966,7 +9966,7 @@
                   <a:spcPct val="0"/>
                 </a:spcAft>
               </a:pPr>
-              <a:t>03/06/2015</a:t>
+              <a:t>04/06/2015</a:t>
             </a:fld>
             <a:endParaRPr lang="pt-BR"/>
           </a:p>
@@ -10509,7 +10509,7 @@
                   <a:spcPct val="0"/>
                 </a:spcAft>
               </a:pPr>
-              <a:t>03/06/2015</a:t>
+              <a:t>04/06/2015</a:t>
             </a:fld>
             <a:endParaRPr lang="pt-BR"/>
           </a:p>
@@ -11125,7 +11125,7 @@
                   <a:spcPct val="0"/>
                 </a:spcAft>
               </a:pPr>
-              <a:t>03/06/2015</a:t>
+              <a:t>04/06/2015</a:t>
             </a:fld>
             <a:endParaRPr lang="pt-BR"/>
           </a:p>
@@ -11707,7 +11707,7 @@
                   <a:spcPct val="0"/>
                 </a:spcAft>
               </a:pPr>
-              <a:t>03/06/2015</a:t>
+              <a:t>04/06/2015</a:t>
             </a:fld>
             <a:endParaRPr lang="pt-BR"/>
           </a:p>
@@ -13117,7 +13117,7 @@
                   <a:spcPct val="0"/>
                 </a:spcAft>
               </a:pPr>
-              <a:t>03/06/2015</a:t>
+              <a:t>04/06/2015</a:t>
             </a:fld>
             <a:endParaRPr lang="pt-BR"/>
           </a:p>
@@ -13771,7 +13771,7 @@
                   <a:spcPct val="0"/>
                 </a:spcAft>
               </a:pPr>
-              <a:t>03/06/2015</a:t>
+              <a:t>04/06/2015</a:t>
             </a:fld>
             <a:endParaRPr lang="pt-BR"/>
           </a:p>
@@ -14207,55 +14207,127 @@
               <a:rPr lang="pt-BR" sz="2800" dirty="0">
                 <a:latin typeface="Calibri" pitchFamily="34" charset="0"/>
               </a:rPr>
-              <a:t>Os testes foram satisfatórios, com trinta e </a:t>
+              <a:t>Os testes foram satisfatórios, </a:t>
             </a:r>
             <a:r>
               <a:rPr lang="pt-BR" sz="2800" dirty="0" smtClean="0">
                 <a:latin typeface="Calibri" pitchFamily="34" charset="0"/>
               </a:rPr>
-              <a:t>dois(   ) </a:t>
+              <a:t>em Vinte e cinco(  25 </a:t>
+            </a:r>
+            <a:r>
+              <a:rPr lang="pt-BR" sz="2800" dirty="0" smtClean="0">
+                <a:latin typeface="Calibri" pitchFamily="34" charset="0"/>
+              </a:rPr>
+              <a:t>) </a:t>
             </a:r>
             <a:r>
               <a:rPr lang="pt-BR" sz="2800" dirty="0">
                 <a:latin typeface="Calibri" pitchFamily="34" charset="0"/>
               </a:rPr>
-              <a:t>casos de testes, sendo vinte e </a:t>
+              <a:t>casos de testes, </a:t>
+            </a:r>
+            <a:r>
+              <a:rPr lang="pt-BR" sz="2800">
+                <a:latin typeface="Calibri" pitchFamily="34" charset="0"/>
+              </a:rPr>
+              <a:t>sendo </a:t>
+            </a:r>
+            <a:r>
+              <a:rPr lang="pt-BR" sz="2800" dirty="0">
+                <a:latin typeface="Calibri" pitchFamily="34" charset="0"/>
+              </a:rPr>
+              <a:t>q</a:t>
+            </a:r>
+            <a:r>
+              <a:rPr lang="pt-BR" sz="2800" smtClean="0">
+                <a:latin typeface="Calibri" pitchFamily="34" charset="0"/>
+              </a:rPr>
+              <a:t>uinze</a:t>
             </a:r>
             <a:r>
               <a:rPr lang="pt-BR" sz="2800" dirty="0" smtClean="0">
                 <a:latin typeface="Calibri" pitchFamily="34" charset="0"/>
               </a:rPr>
-              <a:t>um(  ) </a:t>
+              <a:t>( 15) </a:t>
             </a:r>
             <a:r>
               <a:rPr lang="pt-BR" sz="2800" dirty="0">
                 <a:latin typeface="Calibri" pitchFamily="34" charset="0"/>
               </a:rPr>
-              <a:t>testes com sucesso </a:t>
+              <a:t>testes com </a:t>
             </a:r>
             <a:r>
               <a:rPr lang="pt-BR" sz="2800" dirty="0" smtClean="0">
                 <a:latin typeface="Calibri" pitchFamily="34" charset="0"/>
               </a:rPr>
-              <a:t>onze(   ) </a:t>
+              <a:t>sucesso</a:t>
+            </a:r>
+            <a:r>
+              <a:rPr lang="pt-BR" sz="2800" smtClean="0">
+                <a:latin typeface="Calibri" pitchFamily="34" charset="0"/>
+              </a:rPr>
+              <a:t>, dez( 10 </a:t>
+            </a:r>
+            <a:r>
+              <a:rPr lang="pt-BR" sz="2800" dirty="0" smtClean="0">
+                <a:latin typeface="Calibri" pitchFamily="34" charset="0"/>
+              </a:rPr>
+              <a:t>) </a:t>
             </a:r>
             <a:r>
               <a:rPr lang="pt-BR" sz="2800" dirty="0">
                 <a:latin typeface="Calibri" pitchFamily="34" charset="0"/>
               </a:rPr>
-              <a:t>com falha e quatro</a:t>
+              <a:t>com falha </a:t>
+            </a:r>
+            <a:r>
+              <a:rPr lang="pt-BR" sz="2800">
+                <a:latin typeface="Calibri" pitchFamily="34" charset="0"/>
+              </a:rPr>
+              <a:t>e </a:t>
+            </a:r>
+            <a:r>
+              <a:rPr lang="pt-BR" sz="2800" dirty="0">
+                <a:latin typeface="Calibri" pitchFamily="34" charset="0"/>
+              </a:rPr>
+              <a:t>c</a:t>
+            </a:r>
+            <a:r>
+              <a:rPr lang="pt-BR" sz="2800" smtClean="0">
+                <a:latin typeface="Calibri" pitchFamily="34" charset="0"/>
+              </a:rPr>
+              <a:t>inco</a:t>
             </a:r>
             <a:r>
               <a:rPr lang="pt-BR" sz="2800" dirty="0" smtClean="0">
                 <a:latin typeface="Calibri" pitchFamily="34" charset="0"/>
               </a:rPr>
-              <a:t>(   ) </a:t>
+              <a:t>( 5  </a:t>
+            </a:r>
+            <a:r>
+              <a:rPr lang="pt-BR" sz="2800" dirty="0" smtClean="0">
+                <a:latin typeface="Calibri" pitchFamily="34" charset="0"/>
+              </a:rPr>
+              <a:t>) </a:t>
             </a:r>
             <a:r>
               <a:rPr lang="pt-BR" sz="2800" dirty="0">
                 <a:latin typeface="Calibri" pitchFamily="34" charset="0"/>
               </a:rPr>
-              <a:t>não foram executados, pois o jogo estava somente com a parte gerencial.</a:t>
+              <a:t>não foram executados, pois </a:t>
+            </a:r>
+            <a:r>
+              <a:rPr lang="pt-BR" sz="2800" dirty="0" smtClean="0">
+                <a:latin typeface="Calibri" pitchFamily="34" charset="0"/>
+              </a:rPr>
+              <a:t>o programa só estava </a:t>
+            </a:r>
+            <a:r>
+              <a:rPr lang="pt-BR" sz="2800" dirty="0">
+                <a:latin typeface="Calibri" pitchFamily="34" charset="0"/>
+              </a:rPr>
+              <a:t>somente com a parte gerencial.</a:t>
             </a:r>
           </a:p>
         </p:txBody>
@@ -14401,7 +14473,7 @@
                   <a:spcPct val="0"/>
                 </a:spcAft>
               </a:pPr>
-              <a:t>03/06/2015</a:t>
+              <a:t>04/06/2015</a:t>
             </a:fld>
             <a:endParaRPr lang="pt-BR"/>
           </a:p>
@@ -15180,7 +15252,7 @@
   <a:extraClrSchemeLst/>
   <a:extLst>
     <a:ext uri="{05A4C25C-085E-4340-85A3-A5531E510DB2}">
-      <thm15:themeFamily xmlns:thm15="http://schemas.microsoft.com/office/thememl/2012/main" xmlns="" name="Retrospect" id="{5F128B03-DCCA-4EEB-AB3B-CF2899314A46}" vid="{D26EA377-59BD-4C9C-9D94-EE8416EE4C79}"/>
+      <thm15:themeFamily xmlns="" xmlns:thm15="http://schemas.microsoft.com/office/thememl/2012/main" name="Retrospect" id="{5F128B03-DCCA-4EEB-AB3B-CF2899314A46}" vid="{D26EA377-59BD-4C9C-9D94-EE8416EE4C79}"/>
     </a:ext>
   </a:extLst>
 </a:theme>
@@ -15441,7 +15513,7 @@
   <a:extraClrSchemeLst/>
   <a:extLst>
     <a:ext uri="{05A4C25C-085E-4340-85A3-A5531E510DB2}">
-      <thm15:themeFamily xmlns:thm15="http://schemas.microsoft.com/office/thememl/2012/main" xmlns="" name="Office Theme" id="{62F939B6-93AF-4DB8-9C6B-D6C7DFDC589F}" vid="{4A3C46E8-61CC-4603-A589-7422A47A8E4A}"/>
+      <thm15:themeFamily xmlns="" xmlns:thm15="http://schemas.microsoft.com/office/thememl/2012/main" name="Office Theme" id="{62F939B6-93AF-4DB8-9C6B-D6C7DFDC589F}" vid="{4A3C46E8-61CC-4603-A589-7422A47A8E4A}"/>
     </a:ext>
   </a:extLst>
 </a:theme>

--- a/CT-Apresentacao/Apresentacao.pptx
+++ b/CT-Apresentacao/Apresentacao.pptx
@@ -12165,7 +12165,7 @@
           <p:nvPr>
             <p:extLst>
               <p:ext uri="{D42A27DB-BD31-4B8C-83A1-F6EECF244321}">
-                <p14:modId xmlns:p14="http://schemas.microsoft.com/office/powerpoint/2010/main" val="736256469"/>
+                <p14:modId xmlns:p14="http://schemas.microsoft.com/office/powerpoint/2010/main" val="3641088145"/>
               </p:ext>
             </p:extLst>
           </p:nvPr>
@@ -12281,14 +12281,20 @@
                         </a:spcAft>
                       </a:pPr>
                       <a:r>
-                        <a:rPr lang="pt-BR" sz="1100">
+                        <a:rPr lang="pt-BR" sz="1100" smtClean="0">
                           <a:effectLst/>
                           <a:latin typeface="Calibri"/>
                           <a:ea typeface="Calibri"/>
                           <a:cs typeface="Times New Roman"/>
                         </a:rPr>
-                        <a:t>30</a:t>
+                        <a:t>32</a:t>
                       </a:r>
+                      <a:endParaRPr lang="pt-BR" sz="1100" dirty="0">
+                        <a:effectLst/>
+                        <a:latin typeface="Calibri"/>
+                        <a:ea typeface="Calibri"/>
+                        <a:cs typeface="Times New Roman"/>
+                      </a:endParaRPr>
                     </a:p>
                   </a:txBody>
                   <a:tcPr marL="68580" marR="68580" marT="0" marB="0" anchor="ctr">
@@ -12439,14 +12445,20 @@
                         </a:spcAft>
                       </a:pPr>
                       <a:r>
-                        <a:rPr lang="pt-BR" sz="1100">
+                        <a:rPr lang="pt-BR" sz="1100" dirty="0" smtClean="0">
                           <a:effectLst/>
                           <a:latin typeface="Calibri"/>
                           <a:ea typeface="Calibri"/>
                           <a:cs typeface="Times New Roman"/>
                         </a:rPr>
-                        <a:t>25</a:t>
+                        <a:t>26</a:t>
                       </a:r>
+                      <a:endParaRPr lang="pt-BR" sz="1100" dirty="0">
+                        <a:effectLst/>
+                        <a:latin typeface="Calibri"/>
+                        <a:ea typeface="Calibri"/>
+                        <a:cs typeface="Times New Roman"/>
+                      </a:endParaRPr>
                     </a:p>
                   </a:txBody>
                   <a:tcPr marL="68580" marR="68580" marT="0" marB="0" anchor="ctr">
@@ -12597,14 +12609,20 @@
                         </a:spcAft>
                       </a:pPr>
                       <a:r>
-                        <a:rPr lang="pt-BR" sz="1100">
+                        <a:rPr lang="pt-BR" sz="1100" dirty="0" smtClean="0">
                           <a:effectLst/>
                           <a:latin typeface="Calibri"/>
                           <a:ea typeface="Calibri"/>
                           <a:cs typeface="Times New Roman"/>
                         </a:rPr>
-                        <a:t>15</a:t>
+                        <a:t>04</a:t>
                       </a:r>
+                      <a:endParaRPr lang="pt-BR" sz="1100" dirty="0">
+                        <a:effectLst/>
+                        <a:latin typeface="Calibri"/>
+                        <a:ea typeface="Calibri"/>
+                        <a:cs typeface="Times New Roman"/>
+                      </a:endParaRPr>
                     </a:p>
                   </a:txBody>
                   <a:tcPr marL="68580" marR="68580" marT="0" marB="0" anchor="ctr">
@@ -12755,14 +12773,20 @@
                         </a:spcAft>
                       </a:pPr>
                       <a:r>
-                        <a:rPr lang="pt-BR" sz="1100">
+                        <a:rPr lang="pt-BR" sz="1100" dirty="0" smtClean="0">
                           <a:effectLst/>
                           <a:latin typeface="Calibri"/>
                           <a:ea typeface="Calibri"/>
                           <a:cs typeface="Times New Roman"/>
                         </a:rPr>
-                        <a:t>10</a:t>
+                        <a:t>22</a:t>
                       </a:r>
+                      <a:endParaRPr lang="pt-BR" sz="1100" dirty="0">
+                        <a:effectLst/>
+                        <a:latin typeface="Calibri"/>
+                        <a:ea typeface="Calibri"/>
+                        <a:cs typeface="Times New Roman"/>
+                      </a:endParaRPr>
                     </a:p>
                   </a:txBody>
                   <a:tcPr marL="68580" marR="68580" marT="0" marB="0" anchor="ctr">
@@ -12913,14 +12937,20 @@
                         </a:spcAft>
                       </a:pPr>
                       <a:r>
-                        <a:rPr lang="pt-BR" sz="1100" dirty="0">
+                        <a:rPr lang="pt-BR" sz="1100" dirty="0" smtClean="0">
                           <a:effectLst/>
                           <a:latin typeface="Calibri"/>
                           <a:ea typeface="Calibri"/>
                           <a:cs typeface="Times New Roman"/>
                         </a:rPr>
-                        <a:t>5</a:t>
+                        <a:t>06</a:t>
                       </a:r>
+                      <a:endParaRPr lang="pt-BR" sz="1100" dirty="0">
+                        <a:effectLst/>
+                        <a:latin typeface="Calibri"/>
+                        <a:ea typeface="Calibri"/>
+                        <a:cs typeface="Times New Roman"/>
+                      </a:endParaRPr>
                     </a:p>
                   </a:txBody>
                   <a:tcPr marL="68580" marR="68580" marT="0" marB="0" anchor="ctr">
@@ -14204,130 +14234,22 @@
           <a:lstStyle/>
           <a:p>
             <a:r>
-              <a:rPr lang="pt-BR" sz="2800" dirty="0">
-                <a:latin typeface="Calibri" pitchFamily="34" charset="0"/>
-              </a:rPr>
-              <a:t>Os testes foram satisfatórios, </a:t>
-            </a:r>
-            <a:r>
               <a:rPr lang="pt-BR" sz="2800" dirty="0" smtClean="0">
                 <a:latin typeface="Calibri" pitchFamily="34" charset="0"/>
               </a:rPr>
-              <a:t>em Vinte e cinco(  25 </a:t>
-            </a:r>
-            <a:r>
-              <a:rPr lang="pt-BR" sz="2800" dirty="0" smtClean="0">
-                <a:latin typeface="Calibri" pitchFamily="34" charset="0"/>
-              </a:rPr>
-              <a:t>) </a:t>
-            </a:r>
-            <a:r>
-              <a:rPr lang="pt-BR" sz="2800" dirty="0">
-                <a:latin typeface="Calibri" pitchFamily="34" charset="0"/>
-              </a:rPr>
-              <a:t>casos de testes, </a:t>
-            </a:r>
-            <a:r>
-              <a:rPr lang="pt-BR" sz="2800">
-                <a:latin typeface="Calibri" pitchFamily="34" charset="0"/>
-              </a:rPr>
-              <a:t>sendo </a:t>
-            </a:r>
-            <a:r>
-              <a:rPr lang="pt-BR" sz="2800" dirty="0">
-                <a:latin typeface="Calibri" pitchFamily="34" charset="0"/>
-              </a:rPr>
-              <a:t>q</a:t>
-            </a:r>
-            <a:r>
-              <a:rPr lang="pt-BR" sz="2800" smtClean="0">
-                <a:latin typeface="Calibri" pitchFamily="34" charset="0"/>
-              </a:rPr>
-              <a:t>uinze</a:t>
-            </a:r>
-            <a:r>
-              <a:rPr lang="pt-BR" sz="2800" dirty="0" smtClean="0">
-                <a:latin typeface="Calibri" pitchFamily="34" charset="0"/>
-              </a:rPr>
-              <a:t>( 15) </a:t>
-            </a:r>
-            <a:r>
-              <a:rPr lang="pt-BR" sz="2800" dirty="0">
-                <a:latin typeface="Calibri" pitchFamily="34" charset="0"/>
-              </a:rPr>
-              <a:t>testes com </a:t>
-            </a:r>
-            <a:r>
-              <a:rPr lang="pt-BR" sz="2800" dirty="0" smtClean="0">
-                <a:latin typeface="Calibri" pitchFamily="34" charset="0"/>
-              </a:rPr>
-              <a:t>sucesso</a:t>
-            </a:r>
-            <a:r>
-              <a:rPr lang="pt-BR" sz="2800" smtClean="0">
-                <a:latin typeface="Calibri" pitchFamily="34" charset="0"/>
-              </a:rPr>
-              <a:t>, dez( 10 </a:t>
-            </a:r>
-            <a:r>
-              <a:rPr lang="pt-BR" sz="2800" dirty="0" smtClean="0">
-                <a:latin typeface="Calibri" pitchFamily="34" charset="0"/>
-              </a:rPr>
-              <a:t>) </a:t>
-            </a:r>
-            <a:r>
-              <a:rPr lang="pt-BR" sz="2800" dirty="0">
-                <a:latin typeface="Calibri" pitchFamily="34" charset="0"/>
-              </a:rPr>
-              <a:t>com falha </a:t>
-            </a:r>
-            <a:r>
-              <a:rPr lang="pt-BR" sz="2800">
-                <a:latin typeface="Calibri" pitchFamily="34" charset="0"/>
-              </a:rPr>
-              <a:t>e </a:t>
-            </a:r>
-            <a:r>
-              <a:rPr lang="pt-BR" sz="2800" dirty="0">
-                <a:latin typeface="Calibri" pitchFamily="34" charset="0"/>
-              </a:rPr>
-              <a:t>c</a:t>
-            </a:r>
-            <a:r>
-              <a:rPr lang="pt-BR" sz="2800" smtClean="0">
-                <a:latin typeface="Calibri" pitchFamily="34" charset="0"/>
-              </a:rPr>
-              <a:t>inco</a:t>
-            </a:r>
-            <a:r>
-              <a:rPr lang="pt-BR" sz="2800" dirty="0" smtClean="0">
-                <a:latin typeface="Calibri" pitchFamily="34" charset="0"/>
-              </a:rPr>
-              <a:t>( 5  </a:t>
-            </a:r>
-            <a:r>
-              <a:rPr lang="pt-BR" sz="2800" dirty="0" smtClean="0">
-                <a:latin typeface="Calibri" pitchFamily="34" charset="0"/>
-              </a:rPr>
-              <a:t>) </a:t>
-            </a:r>
-            <a:r>
-              <a:rPr lang="pt-BR" sz="2800" dirty="0">
-                <a:latin typeface="Calibri" pitchFamily="34" charset="0"/>
-              </a:rPr>
-              <a:t>não foram executados, pois </a:t>
-            </a:r>
-            <a:r>
-              <a:rPr lang="pt-BR" sz="2800" dirty="0" smtClean="0">
-                <a:latin typeface="Calibri" pitchFamily="34" charset="0"/>
-              </a:rPr>
-              <a:t>o programa só estava </a:t>
-            </a:r>
-            <a:r>
-              <a:rPr lang="pt-BR" sz="2800" dirty="0">
-                <a:latin typeface="Calibri" pitchFamily="34" charset="0"/>
-              </a:rPr>
-              <a:t>somente com a parte gerencial.</a:t>
+              <a:t> </a:t>
+            </a:r>
+            <a:r>
+              <a:rPr lang="pt-BR" sz="2800" dirty="0"/>
+              <a:t>Os testes foram satisfatórios, </a:t>
+            </a:r>
+            <a:r>
+              <a:rPr lang="pt-BR" sz="2800" dirty="0" smtClean="0"/>
+              <a:t>em Vinte </a:t>
+            </a:r>
+            <a:r>
+              <a:rPr lang="pt-BR" sz="2800" dirty="0"/>
+              <a:t>e seis  (26 ) casos de testes, sendo quatro (04) testes com sucesso, Vinte e dois (22) com falha e seis (06) não foram executados, pois o programa só estava com a parte gerencial.</a:t>
             </a:r>
           </a:p>
         </p:txBody>
@@ -15252,7 +15174,7 @@
   <a:extraClrSchemeLst/>
   <a:extLst>
     <a:ext uri="{05A4C25C-085E-4340-85A3-A5531E510DB2}">
-      <thm15:themeFamily xmlns="" xmlns:thm15="http://schemas.microsoft.com/office/thememl/2012/main" name="Retrospect" id="{5F128B03-DCCA-4EEB-AB3B-CF2899314A46}" vid="{D26EA377-59BD-4C9C-9D94-EE8416EE4C79}"/>
+      <thm15:themeFamily xmlns:thm15="http://schemas.microsoft.com/office/thememl/2012/main" xmlns="" name="Retrospect" id="{5F128B03-DCCA-4EEB-AB3B-CF2899314A46}" vid="{D26EA377-59BD-4C9C-9D94-EE8416EE4C79}"/>
     </a:ext>
   </a:extLst>
 </a:theme>
@@ -15513,7 +15435,7 @@
   <a:extraClrSchemeLst/>
   <a:extLst>
     <a:ext uri="{05A4C25C-085E-4340-85A3-A5531E510DB2}">
-      <thm15:themeFamily xmlns="" xmlns:thm15="http://schemas.microsoft.com/office/thememl/2012/main" name="Office Theme" id="{62F939B6-93AF-4DB8-9C6B-D6C7DFDC589F}" vid="{4A3C46E8-61CC-4603-A589-7422A47A8E4A}"/>
+      <thm15:themeFamily xmlns:thm15="http://schemas.microsoft.com/office/thememl/2012/main" xmlns="" name="Office Theme" id="{62F939B6-93AF-4DB8-9C6B-D6C7DFDC589F}" vid="{4A3C46E8-61CC-4603-A589-7422A47A8E4A}"/>
     </a:ext>
   </a:extLst>
 </a:theme>
